--- a/docs/diagrams/SellSequenceDiagram.pptx
+++ b/docs/diagrams/SellSequenceDiagram.pptx
@@ -12111,8 +12111,8 @@
         </p:nvSpPr>
         <p:spPr>
           <a:xfrm>
-            <a:off x="-101865" y="3888981"/>
-            <a:ext cx="3903699" cy="433029"/>
+            <a:off x="-101865" y="3907885"/>
+            <a:ext cx="5146943" cy="414125"/>
           </a:xfrm>
           <a:prstGeom prst="rect">
             <a:avLst/>
@@ -12202,7 +12202,7 @@
         </p:nvSpPr>
         <p:spPr>
           <a:xfrm flipV="1">
-            <a:off x="-103980" y="3890660"/>
+            <a:off x="-101729" y="3908743"/>
             <a:ext cx="318482" cy="246523"/>
           </a:xfrm>
           <a:prstGeom prst="snip1Rect">
